--- a/docs/diagrams/StudentWithProgrammingLanguageDiagram.pptx
+++ b/docs/diagrams/StudentWithProgrammingLanguageDiagram.pptx
@@ -4690,7 +4690,7 @@
         </p:nvSpPr>
         <p:spPr>
           <a:xfrm>
-            <a:off x="5478610" y="3794289"/>
+            <a:off x="5166905" y="3762300"/>
             <a:ext cx="1371600" cy="285783"/>
           </a:xfrm>
           <a:prstGeom prst="rect">
@@ -4800,8 +4800,8 @@
         </p:nvCxnSpPr>
         <p:spPr>
           <a:xfrm rot="5400000">
-            <a:off x="5853374" y="3302757"/>
-            <a:ext cx="802568" cy="180496"/>
+            <a:off x="5713517" y="3130910"/>
+            <a:ext cx="770579" cy="492201"/>
           </a:xfrm>
           <a:prstGeom prst="bentConnector3">
             <a:avLst>
@@ -4856,7 +4856,7 @@
         </p:nvSpPr>
         <p:spPr>
           <a:xfrm>
-            <a:off x="6905788" y="3501849"/>
+            <a:off x="6896314" y="3800575"/>
             <a:ext cx="1470060" cy="285783"/>
           </a:xfrm>
           <a:prstGeom prst="rect">
@@ -4915,7 +4915,7 @@
               <a:defRPr/>
             </a:pPr>
             <a:r>
-              <a:rPr kumimoji="0" lang="en-US" sz="1050" b="0" i="0" u="none" strike="noStrike" kern="0" cap="none" spc="0" normalizeH="0" baseline="0" noProof="0" dirty="0">
+              <a:rPr kumimoji="0" lang="en-US" sz="1050" b="0" i="0" u="none" strike="noStrike" kern="0" cap="none" spc="0" normalizeH="0" baseline="0" noProof="0" dirty="0" err="1">
                 <a:ln>
                   <a:noFill/>
                 </a:ln>
@@ -4929,7 +4929,7 @@
                 <a:ea typeface="+mn-ea"/>
                 <a:cs typeface="+mn-cs"/>
               </a:rPr>
-              <a:t>Miscellaneous info</a:t>
+              <a:t>MiscellaneousInfo</a:t>
             </a:r>
             <a:endParaRPr kumimoji="0" lang="en-SG" sz="1050" b="0" i="0" u="none" strike="noStrike" kern="0" cap="none" spc="0" normalizeH="0" baseline="0" noProof="0" dirty="0">
               <a:ln>
@@ -5022,6 +5022,160 @@
           <a:xfrm rot="16200000" flipH="1">
             <a:off x="6503649" y="2612752"/>
             <a:ext cx="568132" cy="217200"/>
+          </a:xfrm>
+          <a:prstGeom prst="bentConnector2">
+            <a:avLst/>
+          </a:prstGeom>
+          <a:gradFill rotWithShape="1">
+            <a:gsLst>
+              <a:gs pos="0">
+                <a:srgbClr val="C0504D">
+                  <a:tint val="50000"/>
+                  <a:satMod val="300000"/>
+                </a:srgbClr>
+              </a:gs>
+              <a:gs pos="35000">
+                <a:srgbClr val="C0504D">
+                  <a:tint val="37000"/>
+                  <a:satMod val="300000"/>
+                </a:srgbClr>
+              </a:gs>
+              <a:gs pos="100000">
+                <a:srgbClr val="C0504D">
+                  <a:tint val="15000"/>
+                  <a:satMod val="350000"/>
+                </a:srgbClr>
+              </a:gs>
+            </a:gsLst>
+            <a:lin ang="16200000" scaled="1"/>
+          </a:gradFill>
+          <a:ln w="19050" cap="flat" cmpd="sng" algn="ctr">
+            <a:solidFill>
+              <a:srgbClr val="7030A0"/>
+            </a:solidFill>
+            <a:prstDash val="solid"/>
+            <a:headEnd type="none" w="med" len="med"/>
+            <a:tailEnd type="arrow" w="med" len="med"/>
+          </a:ln>
+          <a:effectLst/>
+        </p:spPr>
+      </p:cxnSp>
+      <p:sp>
+        <p:nvSpPr>
+          <p:cNvPr id="24" name="Rectangle 8">
+            <a:extLst>
+              <a:ext uri="{FF2B5EF4-FFF2-40B4-BE49-F238E27FC236}">
+                <a16:creationId xmlns:a16="http://schemas.microsoft.com/office/drawing/2014/main" id="{6694E047-34EF-47FE-84AB-68E8EAF9FB9D}"/>
+              </a:ext>
+            </a:extLst>
+          </p:cNvPr>
+          <p:cNvSpPr/>
+          <p:nvPr/>
+        </p:nvSpPr>
+        <p:spPr>
+          <a:xfrm>
+            <a:off x="6897331" y="3490781"/>
+            <a:ext cx="1470060" cy="285783"/>
+          </a:xfrm>
+          <a:prstGeom prst="rect">
+            <a:avLst/>
+          </a:prstGeom>
+          <a:gradFill rotWithShape="1">
+            <a:gsLst>
+              <a:gs pos="0">
+                <a:srgbClr val="8064A2">
+                  <a:tint val="50000"/>
+                  <a:satMod val="300000"/>
+                </a:srgbClr>
+              </a:gs>
+              <a:gs pos="35000">
+                <a:srgbClr val="8064A2">
+                  <a:tint val="37000"/>
+                  <a:satMod val="300000"/>
+                </a:srgbClr>
+              </a:gs>
+              <a:gs pos="100000">
+                <a:srgbClr val="8064A2">
+                  <a:tint val="15000"/>
+                  <a:satMod val="350000"/>
+                </a:srgbClr>
+              </a:gs>
+            </a:gsLst>
+            <a:lin ang="16200000" scaled="1"/>
+          </a:gradFill>
+          <a:ln w="19050" cap="flat" cmpd="sng" algn="ctr">
+            <a:solidFill>
+              <a:srgbClr val="7030A0"/>
+            </a:solidFill>
+            <a:prstDash val="solid"/>
+          </a:ln>
+          <a:effectLst/>
+        </p:spPr>
+        <p:txBody>
+          <a:bodyPr rtlCol="0" anchor="ctr"/>
+          <a:lstStyle/>
+          <a:p>
+            <a:pPr marL="0" marR="0" lvl="0" indent="0" algn="ctr" defTabSz="914400" eaLnBrk="1" fontAlgn="auto" latinLnBrk="0" hangingPunct="1">
+              <a:lnSpc>
+                <a:spcPct val="100000"/>
+              </a:lnSpc>
+              <a:spcBef>
+                <a:spcPts val="0"/>
+              </a:spcBef>
+              <a:spcAft>
+                <a:spcPts val="0"/>
+              </a:spcAft>
+              <a:buClrTx/>
+              <a:buSzTx/>
+              <a:buFontTx/>
+              <a:buNone/>
+              <a:tabLst/>
+              <a:defRPr/>
+            </a:pPr>
+            <a:r>
+              <a:rPr lang="en-SG" sz="1050" kern="0" dirty="0" err="1">
+                <a:solidFill>
+                  <a:srgbClr val="7030A0"/>
+                </a:solidFill>
+                <a:latin typeface="Calibri"/>
+              </a:rPr>
+              <a:t>ProfilePicturePath</a:t>
+            </a:r>
+            <a:endParaRPr kumimoji="0" lang="en-US" sz="1050" b="0" i="0" u="none" strike="noStrike" kern="0" cap="none" spc="0" normalizeH="0" baseline="0" noProof="0" dirty="0">
+              <a:ln>
+                <a:noFill/>
+              </a:ln>
+              <a:solidFill>
+                <a:srgbClr val="7030A0"/>
+              </a:solidFill>
+              <a:effectLst/>
+              <a:uLnTx/>
+              <a:uFillTx/>
+              <a:latin typeface="Calibri"/>
+              <a:ea typeface="+mn-ea"/>
+              <a:cs typeface="+mn-cs"/>
+            </a:endParaRPr>
+          </a:p>
+        </p:txBody>
+      </p:sp>
+      <p:cxnSp>
+        <p:nvCxnSpPr>
+          <p:cNvPr id="25" name="Elbow Connector 85">
+            <a:extLst>
+              <a:ext uri="{FF2B5EF4-FFF2-40B4-BE49-F238E27FC236}">
+                <a16:creationId xmlns:a16="http://schemas.microsoft.com/office/drawing/2014/main" id="{22B43BED-2FB5-4272-AB54-9745C351E328}"/>
+              </a:ext>
+            </a:extLst>
+          </p:cNvPr>
+          <p:cNvCxnSpPr>
+            <a:cxnSpLocks/>
+          </p:cNvCxnSpPr>
+          <p:nvPr/>
+        </p:nvCxnSpPr>
+        <p:spPr>
+          <a:xfrm rot="16200000" flipH="1">
+            <a:off x="6560347" y="3598629"/>
+            <a:ext cx="454736" cy="215167"/>
           </a:xfrm>
           <a:prstGeom prst="bentConnector2">
             <a:avLst/>

--- a/docs/diagrams/StudentWithProgrammingLanguageDiagram.pptx
+++ b/docs/diagrams/StudentWithProgrammingLanguageDiagram.pptx
@@ -259,7 +259,7 @@
           <a:p>
             <a:fld id="{C91B01E0-C184-43FE-B3AB-EAA2A94D8CCB}" type="datetimeFigureOut">
               <a:rPr lang="en-US" smtClean="0"/>
-              <a:t>12-Apr-18</a:t>
+              <a:t>4/13/2018</a:t>
             </a:fld>
             <a:endParaRPr lang="en-US"/>
           </a:p>
@@ -457,7 +457,7 @@
           <a:p>
             <a:fld id="{C91B01E0-C184-43FE-B3AB-EAA2A94D8CCB}" type="datetimeFigureOut">
               <a:rPr lang="en-US" smtClean="0"/>
-              <a:t>12-Apr-18</a:t>
+              <a:t>4/13/2018</a:t>
             </a:fld>
             <a:endParaRPr lang="en-US"/>
           </a:p>
@@ -665,7 +665,7 @@
           <a:p>
             <a:fld id="{C91B01E0-C184-43FE-B3AB-EAA2A94D8CCB}" type="datetimeFigureOut">
               <a:rPr lang="en-US" smtClean="0"/>
-              <a:t>12-Apr-18</a:t>
+              <a:t>4/13/2018</a:t>
             </a:fld>
             <a:endParaRPr lang="en-US"/>
           </a:p>
@@ -863,7 +863,7 @@
           <a:p>
             <a:fld id="{C91B01E0-C184-43FE-B3AB-EAA2A94D8CCB}" type="datetimeFigureOut">
               <a:rPr lang="en-US" smtClean="0"/>
-              <a:t>12-Apr-18</a:t>
+              <a:t>4/13/2018</a:t>
             </a:fld>
             <a:endParaRPr lang="en-US"/>
           </a:p>
@@ -1138,7 +1138,7 @@
           <a:p>
             <a:fld id="{C91B01E0-C184-43FE-B3AB-EAA2A94D8CCB}" type="datetimeFigureOut">
               <a:rPr lang="en-US" smtClean="0"/>
-              <a:t>12-Apr-18</a:t>
+              <a:t>4/13/2018</a:t>
             </a:fld>
             <a:endParaRPr lang="en-US"/>
           </a:p>
@@ -1403,7 +1403,7 @@
           <a:p>
             <a:fld id="{C91B01E0-C184-43FE-B3AB-EAA2A94D8CCB}" type="datetimeFigureOut">
               <a:rPr lang="en-US" smtClean="0"/>
-              <a:t>12-Apr-18</a:t>
+              <a:t>4/13/2018</a:t>
             </a:fld>
             <a:endParaRPr lang="en-US"/>
           </a:p>
@@ -1815,7 +1815,7 @@
           <a:p>
             <a:fld id="{C91B01E0-C184-43FE-B3AB-EAA2A94D8CCB}" type="datetimeFigureOut">
               <a:rPr lang="en-US" smtClean="0"/>
-              <a:t>12-Apr-18</a:t>
+              <a:t>4/13/2018</a:t>
             </a:fld>
             <a:endParaRPr lang="en-US"/>
           </a:p>
@@ -1956,7 +1956,7 @@
           <a:p>
             <a:fld id="{C91B01E0-C184-43FE-B3AB-EAA2A94D8CCB}" type="datetimeFigureOut">
               <a:rPr lang="en-US" smtClean="0"/>
-              <a:t>12-Apr-18</a:t>
+              <a:t>4/13/2018</a:t>
             </a:fld>
             <a:endParaRPr lang="en-US"/>
           </a:p>
@@ -2069,7 +2069,7 @@
           <a:p>
             <a:fld id="{C91B01E0-C184-43FE-B3AB-EAA2A94D8CCB}" type="datetimeFigureOut">
               <a:rPr lang="en-US" smtClean="0"/>
-              <a:t>12-Apr-18</a:t>
+              <a:t>4/13/2018</a:t>
             </a:fld>
             <a:endParaRPr lang="en-US"/>
           </a:p>
@@ -2380,7 +2380,7 @@
           <a:p>
             <a:fld id="{C91B01E0-C184-43FE-B3AB-EAA2A94D8CCB}" type="datetimeFigureOut">
               <a:rPr lang="en-US" smtClean="0"/>
-              <a:t>12-Apr-18</a:t>
+              <a:t>4/13/2018</a:t>
             </a:fld>
             <a:endParaRPr lang="en-US"/>
           </a:p>
@@ -2668,7 +2668,7 @@
           <a:p>
             <a:fld id="{C91B01E0-C184-43FE-B3AB-EAA2A94D8CCB}" type="datetimeFigureOut">
               <a:rPr lang="en-US" smtClean="0"/>
-              <a:t>12-Apr-18</a:t>
+              <a:t>4/13/2018</a:t>
             </a:fld>
             <a:endParaRPr lang="en-US"/>
           </a:p>
@@ -2909,7 +2909,7 @@
           <a:p>
             <a:fld id="{C91B01E0-C184-43FE-B3AB-EAA2A94D8CCB}" type="datetimeFigureOut">
               <a:rPr lang="en-US" smtClean="0"/>
-              <a:t>12-Apr-18</a:t>
+              <a:t>4/13/2018</a:t>
             </a:fld>
             <a:endParaRPr lang="en-US"/>
           </a:p>
@@ -4856,7 +4856,7 @@
         </p:nvSpPr>
         <p:spPr>
           <a:xfrm>
-            <a:off x="6896314" y="3800575"/>
+            <a:off x="6896314" y="3857037"/>
             <a:ext cx="1470060" cy="285783"/>
           </a:xfrm>
           <a:prstGeom prst="rect">
@@ -4959,13 +4959,14 @@
           </p:cNvPr>
           <p:cNvCxnSpPr>
             <a:cxnSpLocks/>
+            <a:endCxn id="24" idx="1"/>
           </p:cNvCxnSpPr>
           <p:nvPr/>
         </p:nvCxnSpPr>
         <p:spPr>
           <a:xfrm rot="16200000" flipH="1">
-            <a:off x="6561362" y="3266525"/>
-            <a:ext cx="454736" cy="215167"/>
+            <a:off x="6528630" y="3299257"/>
+            <a:ext cx="520200" cy="215168"/>
           </a:xfrm>
           <a:prstGeom prst="bentConnector2">
             <a:avLst/>
@@ -5074,7 +5075,7 @@
         </p:nvSpPr>
         <p:spPr>
           <a:xfrm>
-            <a:off x="6897331" y="3490781"/>
+            <a:off x="6896314" y="3524049"/>
             <a:ext cx="1470060" cy="285783"/>
           </a:xfrm>
           <a:prstGeom prst="rect">
@@ -5169,13 +5170,14 @@
           </p:cNvPr>
           <p:cNvCxnSpPr>
             <a:cxnSpLocks/>
+            <a:endCxn id="50" idx="1"/>
           </p:cNvCxnSpPr>
           <p:nvPr/>
         </p:nvCxnSpPr>
         <p:spPr>
           <a:xfrm rot="16200000" flipH="1">
-            <a:off x="6560347" y="3598629"/>
-            <a:ext cx="454736" cy="215167"/>
+            <a:off x="6527680" y="3631295"/>
+            <a:ext cx="521084" cy="216184"/>
           </a:xfrm>
           <a:prstGeom prst="bentConnector2">
             <a:avLst/>
